--- a/ppt 16-9/0962.忘记背后.pptx
+++ b/ppt 16-9/0962.忘记背后.pptx
@@ -129,7 +129,7 @@
           <p:cNvPr id="2" name="标题 1">
             <a:extLst>
               <a:ext uri="{FF2B5EF4-FFF2-40B4-BE49-F238E27FC236}">
-                <a16:creationId xmlns:a16="http://schemas.microsoft.com/office/drawing/2014/main" id="{A9CD6B89-1802-0C96-CAB3-7678841343C8}"/>
+                <a16:creationId xmlns:a16="http://schemas.microsoft.com/office/drawing/2014/main" id="{959974E9-77E7-AAA4-7F99-FDB7C79FA4B2}"/>
               </a:ext>
             </a:extLst>
           </p:cNvPr>
@@ -166,7 +166,7 @@
           <p:cNvPr id="3" name="副标题 2">
             <a:extLst>
               <a:ext uri="{FF2B5EF4-FFF2-40B4-BE49-F238E27FC236}">
-                <a16:creationId xmlns:a16="http://schemas.microsoft.com/office/drawing/2014/main" id="{2BF62027-64FD-B8D6-0F41-D060487A8583}"/>
+                <a16:creationId xmlns:a16="http://schemas.microsoft.com/office/drawing/2014/main" id="{49DB8D11-CCEB-1190-9A3D-A75416769019}"/>
               </a:ext>
             </a:extLst>
           </p:cNvPr>
@@ -236,7 +236,7 @@
           <p:cNvPr id="4" name="日期占位符 3">
             <a:extLst>
               <a:ext uri="{FF2B5EF4-FFF2-40B4-BE49-F238E27FC236}">
-                <a16:creationId xmlns:a16="http://schemas.microsoft.com/office/drawing/2014/main" id="{1CA792AA-153C-751B-F386-B4F530EB44BB}"/>
+                <a16:creationId xmlns:a16="http://schemas.microsoft.com/office/drawing/2014/main" id="{2F080252-0B3A-4E00-26E1-D6DD4897E595}"/>
               </a:ext>
             </a:extLst>
           </p:cNvPr>
@@ -252,7 +252,7 @@
           <a:bodyPr/>
           <a:lstStyle/>
           <a:p>
-            <a:fld id="{FA4919D6-F1C4-4C85-AE28-4099C8CDDC8E}" type="datetimeFigureOut">
+            <a:fld id="{E3105ECA-EA8C-439F-8BDC-5E7F3C406EEC}" type="datetimeFigureOut">
               <a:rPr lang="zh-CN" altLang="en-US" smtClean="0"/>
               <a:t>2024/3/10</a:t>
             </a:fld>
@@ -265,7 +265,7 @@
           <p:cNvPr id="5" name="页脚占位符 4">
             <a:extLst>
               <a:ext uri="{FF2B5EF4-FFF2-40B4-BE49-F238E27FC236}">
-                <a16:creationId xmlns:a16="http://schemas.microsoft.com/office/drawing/2014/main" id="{372252BD-D401-9455-7BA8-7BCD5A91BAAB}"/>
+                <a16:creationId xmlns:a16="http://schemas.microsoft.com/office/drawing/2014/main" id="{B441D9D4-FCA6-6B30-A5E8-9B0FDDE0C1CB}"/>
               </a:ext>
             </a:extLst>
           </p:cNvPr>
@@ -290,7 +290,7 @@
           <p:cNvPr id="6" name="灯片编号占位符 5">
             <a:extLst>
               <a:ext uri="{FF2B5EF4-FFF2-40B4-BE49-F238E27FC236}">
-                <a16:creationId xmlns:a16="http://schemas.microsoft.com/office/drawing/2014/main" id="{B6D926E3-4098-F61A-C3A9-CD0DC27B934C}"/>
+                <a16:creationId xmlns:a16="http://schemas.microsoft.com/office/drawing/2014/main" id="{28AAF8B0-C93C-E09F-0A49-6B6601332504}"/>
               </a:ext>
             </a:extLst>
           </p:cNvPr>
@@ -306,7 +306,7 @@
           <a:bodyPr/>
           <a:lstStyle/>
           <a:p>
-            <a:fld id="{3A4D05AB-A13A-4148-A5A9-0D7EC1B74879}" type="slidenum">
+            <a:fld id="{AD216170-8A38-4B43-AAA2-9A20741AAFDD}" type="slidenum">
               <a:rPr lang="zh-CN" altLang="en-US" smtClean="0"/>
               <a:t>‹#›</a:t>
             </a:fld>
@@ -317,7 +317,7 @@
     </p:spTree>
     <p:extLst>
       <p:ext uri="{BB962C8B-B14F-4D97-AF65-F5344CB8AC3E}">
-        <p14:creationId xmlns:p14="http://schemas.microsoft.com/office/powerpoint/2010/main" val="588925885"/>
+        <p14:creationId xmlns:p14="http://schemas.microsoft.com/office/powerpoint/2010/main" val="3035224000"/>
       </p:ext>
     </p:extLst>
   </p:cSld>
@@ -349,7 +349,7 @@
           <p:cNvPr id="2" name="标题 1">
             <a:extLst>
               <a:ext uri="{FF2B5EF4-FFF2-40B4-BE49-F238E27FC236}">
-                <a16:creationId xmlns:a16="http://schemas.microsoft.com/office/drawing/2014/main" id="{EDBD9DD7-29B7-0CC5-3226-DD24B3329051}"/>
+                <a16:creationId xmlns:a16="http://schemas.microsoft.com/office/drawing/2014/main" id="{5A8910C5-9C1B-D973-91A6-AD6BB112BB97}"/>
               </a:ext>
             </a:extLst>
           </p:cNvPr>
@@ -377,7 +377,7 @@
           <p:cNvPr id="3" name="竖排文字占位符 2">
             <a:extLst>
               <a:ext uri="{FF2B5EF4-FFF2-40B4-BE49-F238E27FC236}">
-                <a16:creationId xmlns:a16="http://schemas.microsoft.com/office/drawing/2014/main" id="{1F2AEBE3-010C-56EB-5FEB-4A427B616676}"/>
+                <a16:creationId xmlns:a16="http://schemas.microsoft.com/office/drawing/2014/main" id="{A46D53E8-7A2D-1B15-4D6A-E678866454F7}"/>
               </a:ext>
             </a:extLst>
           </p:cNvPr>
@@ -434,7 +434,7 @@
           <p:cNvPr id="4" name="日期占位符 3">
             <a:extLst>
               <a:ext uri="{FF2B5EF4-FFF2-40B4-BE49-F238E27FC236}">
-                <a16:creationId xmlns:a16="http://schemas.microsoft.com/office/drawing/2014/main" id="{54B09AA7-B058-CF45-65EE-2986171FFCA6}"/>
+                <a16:creationId xmlns:a16="http://schemas.microsoft.com/office/drawing/2014/main" id="{94936C41-7BC5-2447-942F-609DBEE73B5B}"/>
               </a:ext>
             </a:extLst>
           </p:cNvPr>
@@ -450,7 +450,7 @@
           <a:bodyPr/>
           <a:lstStyle/>
           <a:p>
-            <a:fld id="{FA4919D6-F1C4-4C85-AE28-4099C8CDDC8E}" type="datetimeFigureOut">
+            <a:fld id="{E3105ECA-EA8C-439F-8BDC-5E7F3C406EEC}" type="datetimeFigureOut">
               <a:rPr lang="zh-CN" altLang="en-US" smtClean="0"/>
               <a:t>2024/3/10</a:t>
             </a:fld>
@@ -463,7 +463,7 @@
           <p:cNvPr id="5" name="页脚占位符 4">
             <a:extLst>
               <a:ext uri="{FF2B5EF4-FFF2-40B4-BE49-F238E27FC236}">
-                <a16:creationId xmlns:a16="http://schemas.microsoft.com/office/drawing/2014/main" id="{53086215-6A04-985F-4F7C-7B0A4969FE26}"/>
+                <a16:creationId xmlns:a16="http://schemas.microsoft.com/office/drawing/2014/main" id="{EE2EAB8B-7F6C-F87A-64FE-CFDB66A4BC47}"/>
               </a:ext>
             </a:extLst>
           </p:cNvPr>
@@ -488,7 +488,7 @@
           <p:cNvPr id="6" name="灯片编号占位符 5">
             <a:extLst>
               <a:ext uri="{FF2B5EF4-FFF2-40B4-BE49-F238E27FC236}">
-                <a16:creationId xmlns:a16="http://schemas.microsoft.com/office/drawing/2014/main" id="{3E634ABF-2FA0-81C9-A126-46718529345E}"/>
+                <a16:creationId xmlns:a16="http://schemas.microsoft.com/office/drawing/2014/main" id="{FDF848C2-8646-2082-629A-6837DA9F6BC5}"/>
               </a:ext>
             </a:extLst>
           </p:cNvPr>
@@ -504,7 +504,7 @@
           <a:bodyPr/>
           <a:lstStyle/>
           <a:p>
-            <a:fld id="{3A4D05AB-A13A-4148-A5A9-0D7EC1B74879}" type="slidenum">
+            <a:fld id="{AD216170-8A38-4B43-AAA2-9A20741AAFDD}" type="slidenum">
               <a:rPr lang="zh-CN" altLang="en-US" smtClean="0"/>
               <a:t>‹#›</a:t>
             </a:fld>
@@ -515,7 +515,7 @@
     </p:spTree>
     <p:extLst>
       <p:ext uri="{BB962C8B-B14F-4D97-AF65-F5344CB8AC3E}">
-        <p14:creationId xmlns:p14="http://schemas.microsoft.com/office/powerpoint/2010/main" val="2744002334"/>
+        <p14:creationId xmlns:p14="http://schemas.microsoft.com/office/powerpoint/2010/main" val="2776026662"/>
       </p:ext>
     </p:extLst>
   </p:cSld>
@@ -547,7 +547,7 @@
           <p:cNvPr id="2" name="竖排标题 1">
             <a:extLst>
               <a:ext uri="{FF2B5EF4-FFF2-40B4-BE49-F238E27FC236}">
-                <a16:creationId xmlns:a16="http://schemas.microsoft.com/office/drawing/2014/main" id="{DDE84391-AD9D-989A-C231-0B5F8ABC1778}"/>
+                <a16:creationId xmlns:a16="http://schemas.microsoft.com/office/drawing/2014/main" id="{A3927F37-D035-A6B4-5C1F-94C5A5748DEC}"/>
               </a:ext>
             </a:extLst>
           </p:cNvPr>
@@ -580,7 +580,7 @@
           <p:cNvPr id="3" name="竖排文字占位符 2">
             <a:extLst>
               <a:ext uri="{FF2B5EF4-FFF2-40B4-BE49-F238E27FC236}">
-                <a16:creationId xmlns:a16="http://schemas.microsoft.com/office/drawing/2014/main" id="{4710FA3A-BF7E-57E2-1DA0-9050885FC7E7}"/>
+                <a16:creationId xmlns:a16="http://schemas.microsoft.com/office/drawing/2014/main" id="{E94ABEB4-8EDD-63FA-F68A-E4F554E18EC9}"/>
               </a:ext>
             </a:extLst>
           </p:cNvPr>
@@ -642,7 +642,7 @@
           <p:cNvPr id="4" name="日期占位符 3">
             <a:extLst>
               <a:ext uri="{FF2B5EF4-FFF2-40B4-BE49-F238E27FC236}">
-                <a16:creationId xmlns:a16="http://schemas.microsoft.com/office/drawing/2014/main" id="{4AE92220-A061-A67B-D850-D4BED8CC7062}"/>
+                <a16:creationId xmlns:a16="http://schemas.microsoft.com/office/drawing/2014/main" id="{85C23EE4-19EB-C19C-3778-F645D466261C}"/>
               </a:ext>
             </a:extLst>
           </p:cNvPr>
@@ -658,7 +658,7 @@
           <a:bodyPr/>
           <a:lstStyle/>
           <a:p>
-            <a:fld id="{FA4919D6-F1C4-4C85-AE28-4099C8CDDC8E}" type="datetimeFigureOut">
+            <a:fld id="{E3105ECA-EA8C-439F-8BDC-5E7F3C406EEC}" type="datetimeFigureOut">
               <a:rPr lang="zh-CN" altLang="en-US" smtClean="0"/>
               <a:t>2024/3/10</a:t>
             </a:fld>
@@ -671,7 +671,7 @@
           <p:cNvPr id="5" name="页脚占位符 4">
             <a:extLst>
               <a:ext uri="{FF2B5EF4-FFF2-40B4-BE49-F238E27FC236}">
-                <a16:creationId xmlns:a16="http://schemas.microsoft.com/office/drawing/2014/main" id="{DA9CDFD3-EFBB-1717-E535-90E465FE7755}"/>
+                <a16:creationId xmlns:a16="http://schemas.microsoft.com/office/drawing/2014/main" id="{5BB7911A-18CB-A1EC-E45E-4D61FEEE0CDB}"/>
               </a:ext>
             </a:extLst>
           </p:cNvPr>
@@ -696,7 +696,7 @@
           <p:cNvPr id="6" name="灯片编号占位符 5">
             <a:extLst>
               <a:ext uri="{FF2B5EF4-FFF2-40B4-BE49-F238E27FC236}">
-                <a16:creationId xmlns:a16="http://schemas.microsoft.com/office/drawing/2014/main" id="{76271E91-FE7E-0A1A-DAA5-A77C1DAFE14D}"/>
+                <a16:creationId xmlns:a16="http://schemas.microsoft.com/office/drawing/2014/main" id="{E589623E-6437-F29C-8735-196C2DCB8CC0}"/>
               </a:ext>
             </a:extLst>
           </p:cNvPr>
@@ -712,7 +712,7 @@
           <a:bodyPr/>
           <a:lstStyle/>
           <a:p>
-            <a:fld id="{3A4D05AB-A13A-4148-A5A9-0D7EC1B74879}" type="slidenum">
+            <a:fld id="{AD216170-8A38-4B43-AAA2-9A20741AAFDD}" type="slidenum">
               <a:rPr lang="zh-CN" altLang="en-US" smtClean="0"/>
               <a:t>‹#›</a:t>
             </a:fld>
@@ -723,7 +723,7 @@
     </p:spTree>
     <p:extLst>
       <p:ext uri="{BB962C8B-B14F-4D97-AF65-F5344CB8AC3E}">
-        <p14:creationId xmlns:p14="http://schemas.microsoft.com/office/powerpoint/2010/main" val="4102688283"/>
+        <p14:creationId xmlns:p14="http://schemas.microsoft.com/office/powerpoint/2010/main" val="1748839112"/>
       </p:ext>
     </p:extLst>
   </p:cSld>
@@ -755,7 +755,7 @@
           <p:cNvPr id="2" name="标题 1">
             <a:extLst>
               <a:ext uri="{FF2B5EF4-FFF2-40B4-BE49-F238E27FC236}">
-                <a16:creationId xmlns:a16="http://schemas.microsoft.com/office/drawing/2014/main" id="{1B386284-A5E9-4ACB-8612-BEAE9B22A206}"/>
+                <a16:creationId xmlns:a16="http://schemas.microsoft.com/office/drawing/2014/main" id="{6A010A3A-0BE6-3A30-3125-4D8001E8ED7F}"/>
               </a:ext>
             </a:extLst>
           </p:cNvPr>
@@ -783,7 +783,7 @@
           <p:cNvPr id="3" name="内容占位符 2">
             <a:extLst>
               <a:ext uri="{FF2B5EF4-FFF2-40B4-BE49-F238E27FC236}">
-                <a16:creationId xmlns:a16="http://schemas.microsoft.com/office/drawing/2014/main" id="{A3EB35FC-0A1A-E57D-9403-F0A00C336BD1}"/>
+                <a16:creationId xmlns:a16="http://schemas.microsoft.com/office/drawing/2014/main" id="{E61198FB-A17E-F45B-FB6B-A679DE709673}"/>
               </a:ext>
             </a:extLst>
           </p:cNvPr>
@@ -840,7 +840,7 @@
           <p:cNvPr id="4" name="日期占位符 3">
             <a:extLst>
               <a:ext uri="{FF2B5EF4-FFF2-40B4-BE49-F238E27FC236}">
-                <a16:creationId xmlns:a16="http://schemas.microsoft.com/office/drawing/2014/main" id="{85E25B78-588D-8CA1-E377-4CFA0080D55C}"/>
+                <a16:creationId xmlns:a16="http://schemas.microsoft.com/office/drawing/2014/main" id="{98598A06-9ACB-4973-6FD6-0B64D1132713}"/>
               </a:ext>
             </a:extLst>
           </p:cNvPr>
@@ -856,7 +856,7 @@
           <a:bodyPr/>
           <a:lstStyle/>
           <a:p>
-            <a:fld id="{FA4919D6-F1C4-4C85-AE28-4099C8CDDC8E}" type="datetimeFigureOut">
+            <a:fld id="{E3105ECA-EA8C-439F-8BDC-5E7F3C406EEC}" type="datetimeFigureOut">
               <a:rPr lang="zh-CN" altLang="en-US" smtClean="0"/>
               <a:t>2024/3/10</a:t>
             </a:fld>
@@ -869,7 +869,7 @@
           <p:cNvPr id="5" name="页脚占位符 4">
             <a:extLst>
               <a:ext uri="{FF2B5EF4-FFF2-40B4-BE49-F238E27FC236}">
-                <a16:creationId xmlns:a16="http://schemas.microsoft.com/office/drawing/2014/main" id="{4BC2C807-3001-F3AF-90CB-2DB4879B8E5F}"/>
+                <a16:creationId xmlns:a16="http://schemas.microsoft.com/office/drawing/2014/main" id="{289134AB-EF4C-CAC1-069D-11A5D9185F46}"/>
               </a:ext>
             </a:extLst>
           </p:cNvPr>
@@ -894,7 +894,7 @@
           <p:cNvPr id="6" name="灯片编号占位符 5">
             <a:extLst>
               <a:ext uri="{FF2B5EF4-FFF2-40B4-BE49-F238E27FC236}">
-                <a16:creationId xmlns:a16="http://schemas.microsoft.com/office/drawing/2014/main" id="{2D47A0B4-0ABD-0EE3-C637-305C850F7C8C}"/>
+                <a16:creationId xmlns:a16="http://schemas.microsoft.com/office/drawing/2014/main" id="{0167C693-EEBD-A85C-61CE-45403FD76781}"/>
               </a:ext>
             </a:extLst>
           </p:cNvPr>
@@ -910,7 +910,7 @@
           <a:bodyPr/>
           <a:lstStyle/>
           <a:p>
-            <a:fld id="{3A4D05AB-A13A-4148-A5A9-0D7EC1B74879}" type="slidenum">
+            <a:fld id="{AD216170-8A38-4B43-AAA2-9A20741AAFDD}" type="slidenum">
               <a:rPr lang="zh-CN" altLang="en-US" smtClean="0"/>
               <a:t>‹#›</a:t>
             </a:fld>
@@ -921,7 +921,7 @@
     </p:spTree>
     <p:extLst>
       <p:ext uri="{BB962C8B-B14F-4D97-AF65-F5344CB8AC3E}">
-        <p14:creationId xmlns:p14="http://schemas.microsoft.com/office/powerpoint/2010/main" val="51400598"/>
+        <p14:creationId xmlns:p14="http://schemas.microsoft.com/office/powerpoint/2010/main" val="1404607543"/>
       </p:ext>
     </p:extLst>
   </p:cSld>
@@ -953,7 +953,7 @@
           <p:cNvPr id="2" name="标题 1">
             <a:extLst>
               <a:ext uri="{FF2B5EF4-FFF2-40B4-BE49-F238E27FC236}">
-                <a16:creationId xmlns:a16="http://schemas.microsoft.com/office/drawing/2014/main" id="{D4CF92F4-115B-C930-477F-B63DACCCC0E1}"/>
+                <a16:creationId xmlns:a16="http://schemas.microsoft.com/office/drawing/2014/main" id="{3C8A2948-5AF4-E210-E771-D22CB355F8EE}"/>
               </a:ext>
             </a:extLst>
           </p:cNvPr>
@@ -990,7 +990,7 @@
           <p:cNvPr id="3" name="文本占位符 2">
             <a:extLst>
               <a:ext uri="{FF2B5EF4-FFF2-40B4-BE49-F238E27FC236}">
-                <a16:creationId xmlns:a16="http://schemas.microsoft.com/office/drawing/2014/main" id="{B70D2D49-E0A2-8F1F-06B4-46D71DD66A35}"/>
+                <a16:creationId xmlns:a16="http://schemas.microsoft.com/office/drawing/2014/main" id="{F0375655-013B-6454-AE8C-E6FA2BF9AAF1}"/>
               </a:ext>
             </a:extLst>
           </p:cNvPr>
@@ -1115,7 +1115,7 @@
           <p:cNvPr id="4" name="日期占位符 3">
             <a:extLst>
               <a:ext uri="{FF2B5EF4-FFF2-40B4-BE49-F238E27FC236}">
-                <a16:creationId xmlns:a16="http://schemas.microsoft.com/office/drawing/2014/main" id="{4B524D42-41D9-A64C-9BBE-26F1AE0F1CB3}"/>
+                <a16:creationId xmlns:a16="http://schemas.microsoft.com/office/drawing/2014/main" id="{D3E33E3F-C234-1076-1F47-5ED00F542233}"/>
               </a:ext>
             </a:extLst>
           </p:cNvPr>
@@ -1131,7 +1131,7 @@
           <a:bodyPr/>
           <a:lstStyle/>
           <a:p>
-            <a:fld id="{FA4919D6-F1C4-4C85-AE28-4099C8CDDC8E}" type="datetimeFigureOut">
+            <a:fld id="{E3105ECA-EA8C-439F-8BDC-5E7F3C406EEC}" type="datetimeFigureOut">
               <a:rPr lang="zh-CN" altLang="en-US" smtClean="0"/>
               <a:t>2024/3/10</a:t>
             </a:fld>
@@ -1144,7 +1144,7 @@
           <p:cNvPr id="5" name="页脚占位符 4">
             <a:extLst>
               <a:ext uri="{FF2B5EF4-FFF2-40B4-BE49-F238E27FC236}">
-                <a16:creationId xmlns:a16="http://schemas.microsoft.com/office/drawing/2014/main" id="{63C8F8DA-F77D-CB49-53B2-561A068184C6}"/>
+                <a16:creationId xmlns:a16="http://schemas.microsoft.com/office/drawing/2014/main" id="{4801724A-E8F8-2DB7-5036-326A5903A451}"/>
               </a:ext>
             </a:extLst>
           </p:cNvPr>
@@ -1169,7 +1169,7 @@
           <p:cNvPr id="6" name="灯片编号占位符 5">
             <a:extLst>
               <a:ext uri="{FF2B5EF4-FFF2-40B4-BE49-F238E27FC236}">
-                <a16:creationId xmlns:a16="http://schemas.microsoft.com/office/drawing/2014/main" id="{3C7141F9-D9AF-2B91-4ACC-BCE0162EB90F}"/>
+                <a16:creationId xmlns:a16="http://schemas.microsoft.com/office/drawing/2014/main" id="{20CC3694-8142-1858-F721-7ED31A49B5FE}"/>
               </a:ext>
             </a:extLst>
           </p:cNvPr>
@@ -1185,7 +1185,7 @@
           <a:bodyPr/>
           <a:lstStyle/>
           <a:p>
-            <a:fld id="{3A4D05AB-A13A-4148-A5A9-0D7EC1B74879}" type="slidenum">
+            <a:fld id="{AD216170-8A38-4B43-AAA2-9A20741AAFDD}" type="slidenum">
               <a:rPr lang="zh-CN" altLang="en-US" smtClean="0"/>
               <a:t>‹#›</a:t>
             </a:fld>
@@ -1196,7 +1196,7 @@
     </p:spTree>
     <p:extLst>
       <p:ext uri="{BB962C8B-B14F-4D97-AF65-F5344CB8AC3E}">
-        <p14:creationId xmlns:p14="http://schemas.microsoft.com/office/powerpoint/2010/main" val="2902443787"/>
+        <p14:creationId xmlns:p14="http://schemas.microsoft.com/office/powerpoint/2010/main" val="1124186731"/>
       </p:ext>
     </p:extLst>
   </p:cSld>
@@ -1228,7 +1228,7 @@
           <p:cNvPr id="2" name="标题 1">
             <a:extLst>
               <a:ext uri="{FF2B5EF4-FFF2-40B4-BE49-F238E27FC236}">
-                <a16:creationId xmlns:a16="http://schemas.microsoft.com/office/drawing/2014/main" id="{731AD91D-7DA2-3F09-3271-7093700CE34C}"/>
+                <a16:creationId xmlns:a16="http://schemas.microsoft.com/office/drawing/2014/main" id="{7E098819-9879-0990-76A1-46D7D4D91B05}"/>
               </a:ext>
             </a:extLst>
           </p:cNvPr>
@@ -1256,7 +1256,7 @@
           <p:cNvPr id="3" name="内容占位符 2">
             <a:extLst>
               <a:ext uri="{FF2B5EF4-FFF2-40B4-BE49-F238E27FC236}">
-                <a16:creationId xmlns:a16="http://schemas.microsoft.com/office/drawing/2014/main" id="{7F484463-7554-EEAE-B793-DDDAD15BF954}"/>
+                <a16:creationId xmlns:a16="http://schemas.microsoft.com/office/drawing/2014/main" id="{9EDAC90D-54A9-D1F5-F3C0-9C25007AF6D2}"/>
               </a:ext>
             </a:extLst>
           </p:cNvPr>
@@ -1318,7 +1318,7 @@
           <p:cNvPr id="4" name="内容占位符 3">
             <a:extLst>
               <a:ext uri="{FF2B5EF4-FFF2-40B4-BE49-F238E27FC236}">
-                <a16:creationId xmlns:a16="http://schemas.microsoft.com/office/drawing/2014/main" id="{7F9B22B8-2721-9947-E5EE-BFF7B245C65A}"/>
+                <a16:creationId xmlns:a16="http://schemas.microsoft.com/office/drawing/2014/main" id="{7D4563B5-383C-DD15-E57E-5DB9A2C944DE}"/>
               </a:ext>
             </a:extLst>
           </p:cNvPr>
@@ -1380,7 +1380,7 @@
           <p:cNvPr id="5" name="日期占位符 4">
             <a:extLst>
               <a:ext uri="{FF2B5EF4-FFF2-40B4-BE49-F238E27FC236}">
-                <a16:creationId xmlns:a16="http://schemas.microsoft.com/office/drawing/2014/main" id="{6B3351A2-A950-83EA-A9B3-A1201703603B}"/>
+                <a16:creationId xmlns:a16="http://schemas.microsoft.com/office/drawing/2014/main" id="{0F720C52-874B-ABD1-A0A3-1A881A4EDE47}"/>
               </a:ext>
             </a:extLst>
           </p:cNvPr>
@@ -1396,7 +1396,7 @@
           <a:bodyPr/>
           <a:lstStyle/>
           <a:p>
-            <a:fld id="{FA4919D6-F1C4-4C85-AE28-4099C8CDDC8E}" type="datetimeFigureOut">
+            <a:fld id="{E3105ECA-EA8C-439F-8BDC-5E7F3C406EEC}" type="datetimeFigureOut">
               <a:rPr lang="zh-CN" altLang="en-US" smtClean="0"/>
               <a:t>2024/3/10</a:t>
             </a:fld>
@@ -1409,7 +1409,7 @@
           <p:cNvPr id="6" name="页脚占位符 5">
             <a:extLst>
               <a:ext uri="{FF2B5EF4-FFF2-40B4-BE49-F238E27FC236}">
-                <a16:creationId xmlns:a16="http://schemas.microsoft.com/office/drawing/2014/main" id="{43F97D77-B854-6D9A-56DE-2767FF7914D1}"/>
+                <a16:creationId xmlns:a16="http://schemas.microsoft.com/office/drawing/2014/main" id="{E5FC4E1C-59A4-0B61-C9D0-DB04D8706855}"/>
               </a:ext>
             </a:extLst>
           </p:cNvPr>
@@ -1434,7 +1434,7 @@
           <p:cNvPr id="7" name="灯片编号占位符 6">
             <a:extLst>
               <a:ext uri="{FF2B5EF4-FFF2-40B4-BE49-F238E27FC236}">
-                <a16:creationId xmlns:a16="http://schemas.microsoft.com/office/drawing/2014/main" id="{FFA3A480-7298-5559-B158-D997DD5E48C5}"/>
+                <a16:creationId xmlns:a16="http://schemas.microsoft.com/office/drawing/2014/main" id="{6638F143-00A0-65BD-EF11-8A773821EA65}"/>
               </a:ext>
             </a:extLst>
           </p:cNvPr>
@@ -1450,7 +1450,7 @@
           <a:bodyPr/>
           <a:lstStyle/>
           <a:p>
-            <a:fld id="{3A4D05AB-A13A-4148-A5A9-0D7EC1B74879}" type="slidenum">
+            <a:fld id="{AD216170-8A38-4B43-AAA2-9A20741AAFDD}" type="slidenum">
               <a:rPr lang="zh-CN" altLang="en-US" smtClean="0"/>
               <a:t>‹#›</a:t>
             </a:fld>
@@ -1461,7 +1461,7 @@
     </p:spTree>
     <p:extLst>
       <p:ext uri="{BB962C8B-B14F-4D97-AF65-F5344CB8AC3E}">
-        <p14:creationId xmlns:p14="http://schemas.microsoft.com/office/powerpoint/2010/main" val="3729542791"/>
+        <p14:creationId xmlns:p14="http://schemas.microsoft.com/office/powerpoint/2010/main" val="506089638"/>
       </p:ext>
     </p:extLst>
   </p:cSld>
@@ -1493,7 +1493,7 @@
           <p:cNvPr id="2" name="标题 1">
             <a:extLst>
               <a:ext uri="{FF2B5EF4-FFF2-40B4-BE49-F238E27FC236}">
-                <a16:creationId xmlns:a16="http://schemas.microsoft.com/office/drawing/2014/main" id="{02B4E6BA-C914-C695-D15D-ED67184E5253}"/>
+                <a16:creationId xmlns:a16="http://schemas.microsoft.com/office/drawing/2014/main" id="{06999351-3FF8-9233-8C04-0BA80022C731}"/>
               </a:ext>
             </a:extLst>
           </p:cNvPr>
@@ -1526,7 +1526,7 @@
           <p:cNvPr id="3" name="文本占位符 2">
             <a:extLst>
               <a:ext uri="{FF2B5EF4-FFF2-40B4-BE49-F238E27FC236}">
-                <a16:creationId xmlns:a16="http://schemas.microsoft.com/office/drawing/2014/main" id="{0E06D28A-D229-D76C-1593-2708CBD0FAAB}"/>
+                <a16:creationId xmlns:a16="http://schemas.microsoft.com/office/drawing/2014/main" id="{6BA42820-F00A-125E-CB00-F0506A0FC40B}"/>
               </a:ext>
             </a:extLst>
           </p:cNvPr>
@@ -1597,7 +1597,7 @@
           <p:cNvPr id="4" name="内容占位符 3">
             <a:extLst>
               <a:ext uri="{FF2B5EF4-FFF2-40B4-BE49-F238E27FC236}">
-                <a16:creationId xmlns:a16="http://schemas.microsoft.com/office/drawing/2014/main" id="{F84C260B-7D98-75BD-1865-3B530B519B14}"/>
+                <a16:creationId xmlns:a16="http://schemas.microsoft.com/office/drawing/2014/main" id="{B6E85688-9FD7-2555-0F95-D0B85971242C}"/>
               </a:ext>
             </a:extLst>
           </p:cNvPr>
@@ -1659,7 +1659,7 @@
           <p:cNvPr id="5" name="文本占位符 4">
             <a:extLst>
               <a:ext uri="{FF2B5EF4-FFF2-40B4-BE49-F238E27FC236}">
-                <a16:creationId xmlns:a16="http://schemas.microsoft.com/office/drawing/2014/main" id="{2E232A38-2DF5-AE1F-BD42-879E3EAB3734}"/>
+                <a16:creationId xmlns:a16="http://schemas.microsoft.com/office/drawing/2014/main" id="{B1C2983D-3E1C-FC1D-F325-4F086E4DE07F}"/>
               </a:ext>
             </a:extLst>
           </p:cNvPr>
@@ -1730,7 +1730,7 @@
           <p:cNvPr id="6" name="内容占位符 5">
             <a:extLst>
               <a:ext uri="{FF2B5EF4-FFF2-40B4-BE49-F238E27FC236}">
-                <a16:creationId xmlns:a16="http://schemas.microsoft.com/office/drawing/2014/main" id="{90AB4EFA-6A0F-556C-0822-FCAB5201F409}"/>
+                <a16:creationId xmlns:a16="http://schemas.microsoft.com/office/drawing/2014/main" id="{26785214-5172-5B3D-7D1E-B1CCF343A331}"/>
               </a:ext>
             </a:extLst>
           </p:cNvPr>
@@ -1792,7 +1792,7 @@
           <p:cNvPr id="7" name="日期占位符 6">
             <a:extLst>
               <a:ext uri="{FF2B5EF4-FFF2-40B4-BE49-F238E27FC236}">
-                <a16:creationId xmlns:a16="http://schemas.microsoft.com/office/drawing/2014/main" id="{0013BE37-8D87-2390-934F-B229D8D043E3}"/>
+                <a16:creationId xmlns:a16="http://schemas.microsoft.com/office/drawing/2014/main" id="{98D19B98-763D-3C78-82CC-94CDCD84892E}"/>
               </a:ext>
             </a:extLst>
           </p:cNvPr>
@@ -1808,7 +1808,7 @@
           <a:bodyPr/>
           <a:lstStyle/>
           <a:p>
-            <a:fld id="{FA4919D6-F1C4-4C85-AE28-4099C8CDDC8E}" type="datetimeFigureOut">
+            <a:fld id="{E3105ECA-EA8C-439F-8BDC-5E7F3C406EEC}" type="datetimeFigureOut">
               <a:rPr lang="zh-CN" altLang="en-US" smtClean="0"/>
               <a:t>2024/3/10</a:t>
             </a:fld>
@@ -1821,7 +1821,7 @@
           <p:cNvPr id="8" name="页脚占位符 7">
             <a:extLst>
               <a:ext uri="{FF2B5EF4-FFF2-40B4-BE49-F238E27FC236}">
-                <a16:creationId xmlns:a16="http://schemas.microsoft.com/office/drawing/2014/main" id="{1F8F56B4-3585-AB66-2766-7705E427F479}"/>
+                <a16:creationId xmlns:a16="http://schemas.microsoft.com/office/drawing/2014/main" id="{147B942C-9415-B65F-1296-7BC0ADE51972}"/>
               </a:ext>
             </a:extLst>
           </p:cNvPr>
@@ -1846,7 +1846,7 @@
           <p:cNvPr id="9" name="灯片编号占位符 8">
             <a:extLst>
               <a:ext uri="{FF2B5EF4-FFF2-40B4-BE49-F238E27FC236}">
-                <a16:creationId xmlns:a16="http://schemas.microsoft.com/office/drawing/2014/main" id="{9DB7CB40-F930-F404-D7B2-62C53A3AD652}"/>
+                <a16:creationId xmlns:a16="http://schemas.microsoft.com/office/drawing/2014/main" id="{880B1795-8C33-F2A1-A528-A349370E8B8E}"/>
               </a:ext>
             </a:extLst>
           </p:cNvPr>
@@ -1862,7 +1862,7 @@
           <a:bodyPr/>
           <a:lstStyle/>
           <a:p>
-            <a:fld id="{3A4D05AB-A13A-4148-A5A9-0D7EC1B74879}" type="slidenum">
+            <a:fld id="{AD216170-8A38-4B43-AAA2-9A20741AAFDD}" type="slidenum">
               <a:rPr lang="zh-CN" altLang="en-US" smtClean="0"/>
               <a:t>‹#›</a:t>
             </a:fld>
@@ -1873,7 +1873,7 @@
     </p:spTree>
     <p:extLst>
       <p:ext uri="{BB962C8B-B14F-4D97-AF65-F5344CB8AC3E}">
-        <p14:creationId xmlns:p14="http://schemas.microsoft.com/office/powerpoint/2010/main" val="2204193040"/>
+        <p14:creationId xmlns:p14="http://schemas.microsoft.com/office/powerpoint/2010/main" val="3660381606"/>
       </p:ext>
     </p:extLst>
   </p:cSld>
@@ -1905,7 +1905,7 @@
           <p:cNvPr id="2" name="标题 1">
             <a:extLst>
               <a:ext uri="{FF2B5EF4-FFF2-40B4-BE49-F238E27FC236}">
-                <a16:creationId xmlns:a16="http://schemas.microsoft.com/office/drawing/2014/main" id="{F2CF8127-BA16-55FA-722B-2BB328C6FFF3}"/>
+                <a16:creationId xmlns:a16="http://schemas.microsoft.com/office/drawing/2014/main" id="{CC47D630-6981-69F9-3B37-E5648EEC8331}"/>
               </a:ext>
             </a:extLst>
           </p:cNvPr>
@@ -1933,7 +1933,7 @@
           <p:cNvPr id="3" name="日期占位符 2">
             <a:extLst>
               <a:ext uri="{FF2B5EF4-FFF2-40B4-BE49-F238E27FC236}">
-                <a16:creationId xmlns:a16="http://schemas.microsoft.com/office/drawing/2014/main" id="{389F54AC-6920-4D40-B2C4-C1B1CC3A7B8E}"/>
+                <a16:creationId xmlns:a16="http://schemas.microsoft.com/office/drawing/2014/main" id="{8115D5D5-6FFB-B6F9-CD9D-277E13AF32C3}"/>
               </a:ext>
             </a:extLst>
           </p:cNvPr>
@@ -1949,7 +1949,7 @@
           <a:bodyPr/>
           <a:lstStyle/>
           <a:p>
-            <a:fld id="{FA4919D6-F1C4-4C85-AE28-4099C8CDDC8E}" type="datetimeFigureOut">
+            <a:fld id="{E3105ECA-EA8C-439F-8BDC-5E7F3C406EEC}" type="datetimeFigureOut">
               <a:rPr lang="zh-CN" altLang="en-US" smtClean="0"/>
               <a:t>2024/3/10</a:t>
             </a:fld>
@@ -1962,7 +1962,7 @@
           <p:cNvPr id="4" name="页脚占位符 3">
             <a:extLst>
               <a:ext uri="{FF2B5EF4-FFF2-40B4-BE49-F238E27FC236}">
-                <a16:creationId xmlns:a16="http://schemas.microsoft.com/office/drawing/2014/main" id="{83D1591D-A004-09DA-A0DF-EB96E3E0A17B}"/>
+                <a16:creationId xmlns:a16="http://schemas.microsoft.com/office/drawing/2014/main" id="{0F737A96-9427-494B-6E07-A32978B9EC50}"/>
               </a:ext>
             </a:extLst>
           </p:cNvPr>
@@ -1987,7 +1987,7 @@
           <p:cNvPr id="5" name="灯片编号占位符 4">
             <a:extLst>
               <a:ext uri="{FF2B5EF4-FFF2-40B4-BE49-F238E27FC236}">
-                <a16:creationId xmlns:a16="http://schemas.microsoft.com/office/drawing/2014/main" id="{78B7B3AF-05D8-FE89-E30A-BE0499771620}"/>
+                <a16:creationId xmlns:a16="http://schemas.microsoft.com/office/drawing/2014/main" id="{AC2FEA4E-F6BE-180C-5057-973D17F353AC}"/>
               </a:ext>
             </a:extLst>
           </p:cNvPr>
@@ -2003,7 +2003,7 @@
           <a:bodyPr/>
           <a:lstStyle/>
           <a:p>
-            <a:fld id="{3A4D05AB-A13A-4148-A5A9-0D7EC1B74879}" type="slidenum">
+            <a:fld id="{AD216170-8A38-4B43-AAA2-9A20741AAFDD}" type="slidenum">
               <a:rPr lang="zh-CN" altLang="en-US" smtClean="0"/>
               <a:t>‹#›</a:t>
             </a:fld>
@@ -2014,7 +2014,7 @@
     </p:spTree>
     <p:extLst>
       <p:ext uri="{BB962C8B-B14F-4D97-AF65-F5344CB8AC3E}">
-        <p14:creationId xmlns:p14="http://schemas.microsoft.com/office/powerpoint/2010/main" val="1048138682"/>
+        <p14:creationId xmlns:p14="http://schemas.microsoft.com/office/powerpoint/2010/main" val="2176459693"/>
       </p:ext>
     </p:extLst>
   </p:cSld>
@@ -2046,7 +2046,7 @@
           <p:cNvPr id="2" name="日期占位符 1">
             <a:extLst>
               <a:ext uri="{FF2B5EF4-FFF2-40B4-BE49-F238E27FC236}">
-                <a16:creationId xmlns:a16="http://schemas.microsoft.com/office/drawing/2014/main" id="{29D1EA70-1FA1-E035-9F1B-A7BDCD4575F7}"/>
+                <a16:creationId xmlns:a16="http://schemas.microsoft.com/office/drawing/2014/main" id="{F444AFE8-81F7-7A8E-CFDE-B4C29DD7A9D8}"/>
               </a:ext>
             </a:extLst>
           </p:cNvPr>
@@ -2062,7 +2062,7 @@
           <a:bodyPr/>
           <a:lstStyle/>
           <a:p>
-            <a:fld id="{FA4919D6-F1C4-4C85-AE28-4099C8CDDC8E}" type="datetimeFigureOut">
+            <a:fld id="{E3105ECA-EA8C-439F-8BDC-5E7F3C406EEC}" type="datetimeFigureOut">
               <a:rPr lang="zh-CN" altLang="en-US" smtClean="0"/>
               <a:t>2024/3/10</a:t>
             </a:fld>
@@ -2075,7 +2075,7 @@
           <p:cNvPr id="3" name="页脚占位符 2">
             <a:extLst>
               <a:ext uri="{FF2B5EF4-FFF2-40B4-BE49-F238E27FC236}">
-                <a16:creationId xmlns:a16="http://schemas.microsoft.com/office/drawing/2014/main" id="{2524448E-791E-BBFD-B6C8-E74B5D8F1228}"/>
+                <a16:creationId xmlns:a16="http://schemas.microsoft.com/office/drawing/2014/main" id="{73D88117-B759-5CC8-7D75-D8A3F0B114B3}"/>
               </a:ext>
             </a:extLst>
           </p:cNvPr>
@@ -2100,7 +2100,7 @@
           <p:cNvPr id="4" name="灯片编号占位符 3">
             <a:extLst>
               <a:ext uri="{FF2B5EF4-FFF2-40B4-BE49-F238E27FC236}">
-                <a16:creationId xmlns:a16="http://schemas.microsoft.com/office/drawing/2014/main" id="{D2339BA9-8A29-B12E-0AAF-3356766B88D5}"/>
+                <a16:creationId xmlns:a16="http://schemas.microsoft.com/office/drawing/2014/main" id="{1BE803DF-B35C-733D-C648-C90C837FF364}"/>
               </a:ext>
             </a:extLst>
           </p:cNvPr>
@@ -2116,7 +2116,7 @@
           <a:bodyPr/>
           <a:lstStyle/>
           <a:p>
-            <a:fld id="{3A4D05AB-A13A-4148-A5A9-0D7EC1B74879}" type="slidenum">
+            <a:fld id="{AD216170-8A38-4B43-AAA2-9A20741AAFDD}" type="slidenum">
               <a:rPr lang="zh-CN" altLang="en-US" smtClean="0"/>
               <a:t>‹#›</a:t>
             </a:fld>
@@ -2127,7 +2127,7 @@
     </p:spTree>
     <p:extLst>
       <p:ext uri="{BB962C8B-B14F-4D97-AF65-F5344CB8AC3E}">
-        <p14:creationId xmlns:p14="http://schemas.microsoft.com/office/powerpoint/2010/main" val="4225738247"/>
+        <p14:creationId xmlns:p14="http://schemas.microsoft.com/office/powerpoint/2010/main" val="2347759386"/>
       </p:ext>
     </p:extLst>
   </p:cSld>
@@ -2159,7 +2159,7 @@
           <p:cNvPr id="2" name="标题 1">
             <a:extLst>
               <a:ext uri="{FF2B5EF4-FFF2-40B4-BE49-F238E27FC236}">
-                <a16:creationId xmlns:a16="http://schemas.microsoft.com/office/drawing/2014/main" id="{9F129A32-F258-9537-69A3-9188188943CD}"/>
+                <a16:creationId xmlns:a16="http://schemas.microsoft.com/office/drawing/2014/main" id="{8E80DDF7-F9AB-42EB-1F66-2648FD32F142}"/>
               </a:ext>
             </a:extLst>
           </p:cNvPr>
@@ -2196,7 +2196,7 @@
           <p:cNvPr id="3" name="内容占位符 2">
             <a:extLst>
               <a:ext uri="{FF2B5EF4-FFF2-40B4-BE49-F238E27FC236}">
-                <a16:creationId xmlns:a16="http://schemas.microsoft.com/office/drawing/2014/main" id="{B74E73FF-7EAC-FADB-D977-B3E797D651C6}"/>
+                <a16:creationId xmlns:a16="http://schemas.microsoft.com/office/drawing/2014/main" id="{B7C57018-E43F-C284-E9DD-F0115F666749}"/>
               </a:ext>
             </a:extLst>
           </p:cNvPr>
@@ -2286,7 +2286,7 @@
           <p:cNvPr id="4" name="文本占位符 3">
             <a:extLst>
               <a:ext uri="{FF2B5EF4-FFF2-40B4-BE49-F238E27FC236}">
-                <a16:creationId xmlns:a16="http://schemas.microsoft.com/office/drawing/2014/main" id="{F9A3FF85-74EF-79F4-97CD-0404880D848B}"/>
+                <a16:creationId xmlns:a16="http://schemas.microsoft.com/office/drawing/2014/main" id="{0EC98925-3B74-80F2-7EC1-86BD4B4DB5B9}"/>
               </a:ext>
             </a:extLst>
           </p:cNvPr>
@@ -2357,7 +2357,7 @@
           <p:cNvPr id="5" name="日期占位符 4">
             <a:extLst>
               <a:ext uri="{FF2B5EF4-FFF2-40B4-BE49-F238E27FC236}">
-                <a16:creationId xmlns:a16="http://schemas.microsoft.com/office/drawing/2014/main" id="{5A39249F-9406-426D-3141-8ACF04A3EC75}"/>
+                <a16:creationId xmlns:a16="http://schemas.microsoft.com/office/drawing/2014/main" id="{5F86E644-9314-E15E-F517-9B544EA718F2}"/>
               </a:ext>
             </a:extLst>
           </p:cNvPr>
@@ -2373,7 +2373,7 @@
           <a:bodyPr/>
           <a:lstStyle/>
           <a:p>
-            <a:fld id="{FA4919D6-F1C4-4C85-AE28-4099C8CDDC8E}" type="datetimeFigureOut">
+            <a:fld id="{E3105ECA-EA8C-439F-8BDC-5E7F3C406EEC}" type="datetimeFigureOut">
               <a:rPr lang="zh-CN" altLang="en-US" smtClean="0"/>
               <a:t>2024/3/10</a:t>
             </a:fld>
@@ -2386,7 +2386,7 @@
           <p:cNvPr id="6" name="页脚占位符 5">
             <a:extLst>
               <a:ext uri="{FF2B5EF4-FFF2-40B4-BE49-F238E27FC236}">
-                <a16:creationId xmlns:a16="http://schemas.microsoft.com/office/drawing/2014/main" id="{99C9F6F1-CFCB-4F84-016A-48FC72C447A5}"/>
+                <a16:creationId xmlns:a16="http://schemas.microsoft.com/office/drawing/2014/main" id="{DCDDC987-D829-B269-ABE5-925419925CC8}"/>
               </a:ext>
             </a:extLst>
           </p:cNvPr>
@@ -2411,7 +2411,7 @@
           <p:cNvPr id="7" name="灯片编号占位符 6">
             <a:extLst>
               <a:ext uri="{FF2B5EF4-FFF2-40B4-BE49-F238E27FC236}">
-                <a16:creationId xmlns:a16="http://schemas.microsoft.com/office/drawing/2014/main" id="{BE38D67E-A876-3782-277E-6C96935BFD64}"/>
+                <a16:creationId xmlns:a16="http://schemas.microsoft.com/office/drawing/2014/main" id="{1C16B632-D62B-C78A-9529-17C032B98919}"/>
               </a:ext>
             </a:extLst>
           </p:cNvPr>
@@ -2427,7 +2427,7 @@
           <a:bodyPr/>
           <a:lstStyle/>
           <a:p>
-            <a:fld id="{3A4D05AB-A13A-4148-A5A9-0D7EC1B74879}" type="slidenum">
+            <a:fld id="{AD216170-8A38-4B43-AAA2-9A20741AAFDD}" type="slidenum">
               <a:rPr lang="zh-CN" altLang="en-US" smtClean="0"/>
               <a:t>‹#›</a:t>
             </a:fld>
@@ -2438,7 +2438,7 @@
     </p:spTree>
     <p:extLst>
       <p:ext uri="{BB962C8B-B14F-4D97-AF65-F5344CB8AC3E}">
-        <p14:creationId xmlns:p14="http://schemas.microsoft.com/office/powerpoint/2010/main" val="2051691996"/>
+        <p14:creationId xmlns:p14="http://schemas.microsoft.com/office/powerpoint/2010/main" val="864762209"/>
       </p:ext>
     </p:extLst>
   </p:cSld>
@@ -2470,7 +2470,7 @@
           <p:cNvPr id="2" name="标题 1">
             <a:extLst>
               <a:ext uri="{FF2B5EF4-FFF2-40B4-BE49-F238E27FC236}">
-                <a16:creationId xmlns:a16="http://schemas.microsoft.com/office/drawing/2014/main" id="{0CD494AB-EE39-98E8-7FF9-2E7A44BA12BB}"/>
+                <a16:creationId xmlns:a16="http://schemas.microsoft.com/office/drawing/2014/main" id="{6437097D-4D44-EC3E-D4B9-DCEDD2179E27}"/>
               </a:ext>
             </a:extLst>
           </p:cNvPr>
@@ -2507,7 +2507,7 @@
           <p:cNvPr id="3" name="图片占位符 2">
             <a:extLst>
               <a:ext uri="{FF2B5EF4-FFF2-40B4-BE49-F238E27FC236}">
-                <a16:creationId xmlns:a16="http://schemas.microsoft.com/office/drawing/2014/main" id="{F4A66783-F720-FAA0-37D4-4CFAAA1C60B2}"/>
+                <a16:creationId xmlns:a16="http://schemas.microsoft.com/office/drawing/2014/main" id="{E968F7C9-65AE-7E65-3036-97786193D2E3}"/>
               </a:ext>
             </a:extLst>
           </p:cNvPr>
@@ -2574,7 +2574,7 @@
           <p:cNvPr id="4" name="文本占位符 3">
             <a:extLst>
               <a:ext uri="{FF2B5EF4-FFF2-40B4-BE49-F238E27FC236}">
-                <a16:creationId xmlns:a16="http://schemas.microsoft.com/office/drawing/2014/main" id="{65B40C5D-DFA9-9850-B2CA-2B11F9A2ACE9}"/>
+                <a16:creationId xmlns:a16="http://schemas.microsoft.com/office/drawing/2014/main" id="{FE98C2A3-4565-AA40-B1BB-87161A8872A1}"/>
               </a:ext>
             </a:extLst>
           </p:cNvPr>
@@ -2645,7 +2645,7 @@
           <p:cNvPr id="5" name="日期占位符 4">
             <a:extLst>
               <a:ext uri="{FF2B5EF4-FFF2-40B4-BE49-F238E27FC236}">
-                <a16:creationId xmlns:a16="http://schemas.microsoft.com/office/drawing/2014/main" id="{24B8E761-B401-D6B6-8CFF-E6ABF2556725}"/>
+                <a16:creationId xmlns:a16="http://schemas.microsoft.com/office/drawing/2014/main" id="{E629E51E-0F4C-BE10-4150-1C6170BABE4C}"/>
               </a:ext>
             </a:extLst>
           </p:cNvPr>
@@ -2661,7 +2661,7 @@
           <a:bodyPr/>
           <a:lstStyle/>
           <a:p>
-            <a:fld id="{FA4919D6-F1C4-4C85-AE28-4099C8CDDC8E}" type="datetimeFigureOut">
+            <a:fld id="{E3105ECA-EA8C-439F-8BDC-5E7F3C406EEC}" type="datetimeFigureOut">
               <a:rPr lang="zh-CN" altLang="en-US" smtClean="0"/>
               <a:t>2024/3/10</a:t>
             </a:fld>
@@ -2674,7 +2674,7 @@
           <p:cNvPr id="6" name="页脚占位符 5">
             <a:extLst>
               <a:ext uri="{FF2B5EF4-FFF2-40B4-BE49-F238E27FC236}">
-                <a16:creationId xmlns:a16="http://schemas.microsoft.com/office/drawing/2014/main" id="{F00F7AF3-5D31-64DD-EC2E-ED94CE95453C}"/>
+                <a16:creationId xmlns:a16="http://schemas.microsoft.com/office/drawing/2014/main" id="{E34990C7-7B49-46B2-3282-E30B2C89E880}"/>
               </a:ext>
             </a:extLst>
           </p:cNvPr>
@@ -2699,7 +2699,7 @@
           <p:cNvPr id="7" name="灯片编号占位符 6">
             <a:extLst>
               <a:ext uri="{FF2B5EF4-FFF2-40B4-BE49-F238E27FC236}">
-                <a16:creationId xmlns:a16="http://schemas.microsoft.com/office/drawing/2014/main" id="{CF94601D-C34F-F176-7D1B-430F93850A17}"/>
+                <a16:creationId xmlns:a16="http://schemas.microsoft.com/office/drawing/2014/main" id="{9EC985C3-2A33-2D6E-49A7-8D831B79CE22}"/>
               </a:ext>
             </a:extLst>
           </p:cNvPr>
@@ -2715,7 +2715,7 @@
           <a:bodyPr/>
           <a:lstStyle/>
           <a:p>
-            <a:fld id="{3A4D05AB-A13A-4148-A5A9-0D7EC1B74879}" type="slidenum">
+            <a:fld id="{AD216170-8A38-4B43-AAA2-9A20741AAFDD}" type="slidenum">
               <a:rPr lang="zh-CN" altLang="en-US" smtClean="0"/>
               <a:t>‹#›</a:t>
             </a:fld>
@@ -2726,7 +2726,7 @@
     </p:spTree>
     <p:extLst>
       <p:ext uri="{BB962C8B-B14F-4D97-AF65-F5344CB8AC3E}">
-        <p14:creationId xmlns:p14="http://schemas.microsoft.com/office/powerpoint/2010/main" val="3329221600"/>
+        <p14:creationId xmlns:p14="http://schemas.microsoft.com/office/powerpoint/2010/main" val="3176703851"/>
       </p:ext>
     </p:extLst>
   </p:cSld>
@@ -2763,7 +2763,7 @@
           <p:cNvPr id="2" name="标题占位符 1">
             <a:extLst>
               <a:ext uri="{FF2B5EF4-FFF2-40B4-BE49-F238E27FC236}">
-                <a16:creationId xmlns:a16="http://schemas.microsoft.com/office/drawing/2014/main" id="{FD4F3B87-D543-207B-4F76-4FC066B87F3A}"/>
+                <a16:creationId xmlns:a16="http://schemas.microsoft.com/office/drawing/2014/main" id="{8667FCA1-BE4F-8FE4-E1B3-5BFCEB08AD88}"/>
               </a:ext>
             </a:extLst>
           </p:cNvPr>
@@ -2801,7 +2801,7 @@
           <p:cNvPr id="3" name="文本占位符 2">
             <a:extLst>
               <a:ext uri="{FF2B5EF4-FFF2-40B4-BE49-F238E27FC236}">
-                <a16:creationId xmlns:a16="http://schemas.microsoft.com/office/drawing/2014/main" id="{501653CE-8A21-FD8F-40C7-19D2473A5272}"/>
+                <a16:creationId xmlns:a16="http://schemas.microsoft.com/office/drawing/2014/main" id="{34D6E836-AEF5-A109-EAA6-E1E3B2D71243}"/>
               </a:ext>
             </a:extLst>
           </p:cNvPr>
@@ -2868,7 +2868,7 @@
           <p:cNvPr id="4" name="日期占位符 3">
             <a:extLst>
               <a:ext uri="{FF2B5EF4-FFF2-40B4-BE49-F238E27FC236}">
-                <a16:creationId xmlns:a16="http://schemas.microsoft.com/office/drawing/2014/main" id="{F1AF755A-7461-705D-1112-4D2168AF4C8B}"/>
+                <a16:creationId xmlns:a16="http://schemas.microsoft.com/office/drawing/2014/main" id="{FCCC2EE3-F22B-61CE-D5F3-9FD871FB3E11}"/>
               </a:ext>
             </a:extLst>
           </p:cNvPr>
@@ -2902,7 +2902,7 @@
             </a:lvl1pPr>
           </a:lstStyle>
           <a:p>
-            <a:fld id="{FA4919D6-F1C4-4C85-AE28-4099C8CDDC8E}" type="datetimeFigureOut">
+            <a:fld id="{E3105ECA-EA8C-439F-8BDC-5E7F3C406EEC}" type="datetimeFigureOut">
               <a:rPr lang="zh-CN" altLang="en-US" smtClean="0"/>
               <a:t>2024/3/10</a:t>
             </a:fld>
@@ -2915,7 +2915,7 @@
           <p:cNvPr id="5" name="页脚占位符 4">
             <a:extLst>
               <a:ext uri="{FF2B5EF4-FFF2-40B4-BE49-F238E27FC236}">
-                <a16:creationId xmlns:a16="http://schemas.microsoft.com/office/drawing/2014/main" id="{A1FB6CCC-9EC0-52DA-D060-85BEFF47F374}"/>
+                <a16:creationId xmlns:a16="http://schemas.microsoft.com/office/drawing/2014/main" id="{4195707C-C362-0910-F9A1-548895B19C3F}"/>
               </a:ext>
             </a:extLst>
           </p:cNvPr>
@@ -2958,7 +2958,7 @@
           <p:cNvPr id="6" name="灯片编号占位符 5">
             <a:extLst>
               <a:ext uri="{FF2B5EF4-FFF2-40B4-BE49-F238E27FC236}">
-                <a16:creationId xmlns:a16="http://schemas.microsoft.com/office/drawing/2014/main" id="{CBFFC4EB-7B89-8AE0-C6E3-3592037E2ED4}"/>
+                <a16:creationId xmlns:a16="http://schemas.microsoft.com/office/drawing/2014/main" id="{C4D1930E-257C-539D-AE92-9889CDAF7CB8}"/>
               </a:ext>
             </a:extLst>
           </p:cNvPr>
@@ -2992,7 +2992,7 @@
             </a:lvl1pPr>
           </a:lstStyle>
           <a:p>
-            <a:fld id="{3A4D05AB-A13A-4148-A5A9-0D7EC1B74879}" type="slidenum">
+            <a:fld id="{AD216170-8A38-4B43-AAA2-9A20741AAFDD}" type="slidenum">
               <a:rPr lang="zh-CN" altLang="en-US" smtClean="0"/>
               <a:t>‹#›</a:t>
             </a:fld>
@@ -3003,7 +3003,7 @@
     </p:spTree>
     <p:extLst>
       <p:ext uri="{BB962C8B-B14F-4D97-AF65-F5344CB8AC3E}">
-        <p14:creationId xmlns:p14="http://schemas.microsoft.com/office/powerpoint/2010/main" val="885110544"/>
+        <p14:creationId xmlns:p14="http://schemas.microsoft.com/office/powerpoint/2010/main" val="3082102761"/>
       </p:ext>
     </p:extLst>
   </p:cSld>
